--- a/Plan.pptx
+++ b/Plan.pptx
@@ -8,6 +8,7 @@
     <p:sldId id="256" r:id="rId2"/>
     <p:sldId id="257" r:id="rId3"/>
     <p:sldId id="258" r:id="rId4"/>
+    <p:sldId id="259" r:id="rId5"/>
   </p:sldIdLst>
   <p:sldSz cx="12192000" cy="6858000"/>
   <p:notesSz cx="6858000" cy="9144000"/>
@@ -106,6 +107,11 @@
       </a:defRPr>
     </a:lvl9pPr>
   </p:defaultTextStyle>
+  <p:extLst>
+    <p:ext uri="{EFAFB233-063F-42B5-8137-9DF3F51BA10A}">
+      <p15:sldGuideLst xmlns:p15="http://schemas.microsoft.com/office/powerpoint/2012/main"/>
+    </p:ext>
+  </p:extLst>
 </p:presentation>
 </file>
 
@@ -240,7 +246,7 @@
           <a:p>
             <a:fld id="{90AAA247-5E4D-4753-97DD-E8809A5E93D8}" type="datetimeFigureOut">
               <a:rPr lang="ko-KR" altLang="en-US" smtClean="0"/>
-              <a:t>2022-06-26</a:t>
+              <a:t>2022-06-27</a:t>
             </a:fld>
             <a:endParaRPr lang="ko-KR" altLang="en-US"/>
           </a:p>
@@ -410,7 +416,7 @@
           <a:p>
             <a:fld id="{90AAA247-5E4D-4753-97DD-E8809A5E93D8}" type="datetimeFigureOut">
               <a:rPr lang="ko-KR" altLang="en-US" smtClean="0"/>
-              <a:t>2022-06-26</a:t>
+              <a:t>2022-06-27</a:t>
             </a:fld>
             <a:endParaRPr lang="ko-KR" altLang="en-US"/>
           </a:p>
@@ -590,7 +596,7 @@
           <a:p>
             <a:fld id="{90AAA247-5E4D-4753-97DD-E8809A5E93D8}" type="datetimeFigureOut">
               <a:rPr lang="ko-KR" altLang="en-US" smtClean="0"/>
-              <a:t>2022-06-26</a:t>
+              <a:t>2022-06-27</a:t>
             </a:fld>
             <a:endParaRPr lang="ko-KR" altLang="en-US"/>
           </a:p>
@@ -760,7 +766,7 @@
           <a:p>
             <a:fld id="{90AAA247-5E4D-4753-97DD-E8809A5E93D8}" type="datetimeFigureOut">
               <a:rPr lang="ko-KR" altLang="en-US" smtClean="0"/>
-              <a:t>2022-06-26</a:t>
+              <a:t>2022-06-27</a:t>
             </a:fld>
             <a:endParaRPr lang="ko-KR" altLang="en-US"/>
           </a:p>
@@ -1006,7 +1012,7 @@
           <a:p>
             <a:fld id="{90AAA247-5E4D-4753-97DD-E8809A5E93D8}" type="datetimeFigureOut">
               <a:rPr lang="ko-KR" altLang="en-US" smtClean="0"/>
-              <a:t>2022-06-26</a:t>
+              <a:t>2022-06-27</a:t>
             </a:fld>
             <a:endParaRPr lang="ko-KR" altLang="en-US"/>
           </a:p>
@@ -1238,7 +1244,7 @@
           <a:p>
             <a:fld id="{90AAA247-5E4D-4753-97DD-E8809A5E93D8}" type="datetimeFigureOut">
               <a:rPr lang="ko-KR" altLang="en-US" smtClean="0"/>
-              <a:t>2022-06-26</a:t>
+              <a:t>2022-06-27</a:t>
             </a:fld>
             <a:endParaRPr lang="ko-KR" altLang="en-US"/>
           </a:p>
@@ -1605,7 +1611,7 @@
           <a:p>
             <a:fld id="{90AAA247-5E4D-4753-97DD-E8809A5E93D8}" type="datetimeFigureOut">
               <a:rPr lang="ko-KR" altLang="en-US" smtClean="0"/>
-              <a:t>2022-06-26</a:t>
+              <a:t>2022-06-27</a:t>
             </a:fld>
             <a:endParaRPr lang="ko-KR" altLang="en-US"/>
           </a:p>
@@ -1723,7 +1729,7 @@
           <a:p>
             <a:fld id="{90AAA247-5E4D-4753-97DD-E8809A5E93D8}" type="datetimeFigureOut">
               <a:rPr lang="ko-KR" altLang="en-US" smtClean="0"/>
-              <a:t>2022-06-26</a:t>
+              <a:t>2022-06-27</a:t>
             </a:fld>
             <a:endParaRPr lang="ko-KR" altLang="en-US"/>
           </a:p>
@@ -1818,7 +1824,7 @@
           <a:p>
             <a:fld id="{90AAA247-5E4D-4753-97DD-E8809A5E93D8}" type="datetimeFigureOut">
               <a:rPr lang="ko-KR" altLang="en-US" smtClean="0"/>
-              <a:t>2022-06-26</a:t>
+              <a:t>2022-06-27</a:t>
             </a:fld>
             <a:endParaRPr lang="ko-KR" altLang="en-US"/>
           </a:p>
@@ -2095,7 +2101,7 @@
           <a:p>
             <a:fld id="{90AAA247-5E4D-4753-97DD-E8809A5E93D8}" type="datetimeFigureOut">
               <a:rPr lang="ko-KR" altLang="en-US" smtClean="0"/>
-              <a:t>2022-06-26</a:t>
+              <a:t>2022-06-27</a:t>
             </a:fld>
             <a:endParaRPr lang="ko-KR" altLang="en-US"/>
           </a:p>
@@ -2348,7 +2354,7 @@
           <a:p>
             <a:fld id="{90AAA247-5E4D-4753-97DD-E8809A5E93D8}" type="datetimeFigureOut">
               <a:rPr lang="ko-KR" altLang="en-US" smtClean="0"/>
-              <a:t>2022-06-26</a:t>
+              <a:t>2022-06-27</a:t>
             </a:fld>
             <a:endParaRPr lang="ko-KR" altLang="en-US"/>
           </a:p>
@@ -2561,7 +2567,7 @@
           <a:p>
             <a:fld id="{90AAA247-5E4D-4753-97DD-E8809A5E93D8}" type="datetimeFigureOut">
               <a:rPr lang="ko-KR" altLang="en-US" smtClean="0"/>
-              <a:t>2022-06-26</a:t>
+              <a:t>2022-06-27</a:t>
             </a:fld>
             <a:endParaRPr lang="ko-KR" altLang="en-US"/>
           </a:p>
@@ -3656,11 +3662,18 @@
               <a:t>Specific condition </a:t>
             </a:r>
             <a:r>
-              <a:rPr lang="ko-KR" altLang="en-US" sz="1800" smtClean="0">
+              <a:rPr lang="ko-KR" altLang="en-US" sz="1800" dirty="0" smtClean="0">
                 <a:latin typeface="마루 부리OTF 중간" panose="020B0600000101010101" pitchFamily="34" charset="-127"/>
                 <a:ea typeface="마루 부리OTF 중간" panose="020B0600000101010101" pitchFamily="34" charset="-127"/>
               </a:rPr>
-              <a:t>에서 화면이 가려졌다가 풀리도록 변경</a:t>
+              <a:t>에서 화면이 가려졌다가 풀리도록 </a:t>
+            </a:r>
+            <a:r>
+              <a:rPr lang="ko-KR" altLang="en-US" sz="1800" dirty="0" smtClean="0">
+                <a:latin typeface="마루 부리OTF 중간" panose="020B0600000101010101" pitchFamily="34" charset="-127"/>
+                <a:ea typeface="마루 부리OTF 중간" panose="020B0600000101010101" pitchFamily="34" charset="-127"/>
+              </a:rPr>
+              <a:t>변경</a:t>
             </a:r>
             <a:endParaRPr lang="en-US" altLang="ko-KR" sz="1800" dirty="0">
               <a:latin typeface="마루 부리OTF 중간" panose="020B0600000101010101" pitchFamily="34" charset="-127"/>
@@ -3673,6 +3686,115 @@
     <p:extLst>
       <p:ext uri="{BB962C8B-B14F-4D97-AF65-F5344CB8AC3E}">
         <p14:creationId xmlns:p14="http://schemas.microsoft.com/office/powerpoint/2010/main" val="3083560293"/>
+      </p:ext>
+    </p:extLst>
+  </p:cSld>
+  <p:clrMapOvr>
+    <a:masterClrMapping/>
+  </p:clrMapOvr>
+</p:sld>
+</file>
+
+<file path=ppt/slides/slide4.xml><?xml version="1.0" encoding="utf-8"?>
+<p:sld xmlns:a="http://schemas.openxmlformats.org/drawingml/2006/main" xmlns:r="http://schemas.openxmlformats.org/officeDocument/2006/relationships" xmlns:p="http://schemas.openxmlformats.org/presentationml/2006/main">
+  <p:cSld>
+    <p:spTree>
+      <p:nvGrpSpPr>
+        <p:cNvPr id="1" name=""/>
+        <p:cNvGrpSpPr/>
+        <p:nvPr/>
+      </p:nvGrpSpPr>
+      <p:grpSpPr>
+        <a:xfrm>
+          <a:off x="0" y="0"/>
+          <a:ext cx="0" cy="0"/>
+          <a:chOff x="0" y="0"/>
+          <a:chExt cx="0" cy="0"/>
+        </a:xfrm>
+      </p:grpSpPr>
+      <p:sp>
+        <p:nvSpPr>
+          <p:cNvPr id="2" name="Title 1"/>
+          <p:cNvSpPr>
+            <a:spLocks noGrp="1"/>
+          </p:cNvSpPr>
+          <p:nvPr>
+            <p:ph type="title"/>
+          </p:nvPr>
+        </p:nvSpPr>
+        <p:spPr>
+          <a:xfrm>
+            <a:off x="838200" y="365125"/>
+            <a:ext cx="10515600" cy="859826"/>
+          </a:xfrm>
+        </p:spPr>
+        <p:txBody>
+          <a:bodyPr>
+            <a:normAutofit/>
+          </a:bodyPr>
+          <a:lstStyle/>
+          <a:p>
+            <a:r>
+              <a:rPr lang="en-US" altLang="ko-KR" sz="3600" dirty="0" smtClean="0">
+                <a:latin typeface="마루 부리 굵은" panose="020B0600000101010101" pitchFamily="50" charset="-127"/>
+                <a:ea typeface="마루 부리 굵은" panose="020B0600000101010101" pitchFamily="50" charset="-127"/>
+              </a:rPr>
+              <a:t>2. Game Start</a:t>
+            </a:r>
+            <a:endParaRPr lang="ko-KR" altLang="en-US" sz="3600" dirty="0">
+              <a:latin typeface="마루 부리 굵은" panose="020B0600000101010101" pitchFamily="50" charset="-127"/>
+              <a:ea typeface="마루 부리 굵은" panose="020B0600000101010101" pitchFamily="50" charset="-127"/>
+            </a:endParaRPr>
+          </a:p>
+        </p:txBody>
+      </p:sp>
+      <p:sp>
+        <p:nvSpPr>
+          <p:cNvPr id="5" name="Content Placeholder 2"/>
+          <p:cNvSpPr>
+            <a:spLocks noGrp="1"/>
+          </p:cNvSpPr>
+          <p:nvPr>
+            <p:ph idx="1"/>
+          </p:nvPr>
+        </p:nvSpPr>
+        <p:spPr>
+          <a:xfrm>
+            <a:off x="838200" y="1414732"/>
+            <a:ext cx="10515600" cy="4351338"/>
+          </a:xfrm>
+        </p:spPr>
+        <p:txBody>
+          <a:bodyPr>
+            <a:normAutofit/>
+          </a:bodyPr>
+          <a:lstStyle/>
+          <a:p>
+            <a:pPr>
+              <a:lnSpc>
+                <a:spcPct val="110000"/>
+              </a:lnSpc>
+              <a:buFontTx/>
+              <a:buChar char="-"/>
+            </a:pPr>
+            <a:r>
+              <a:rPr lang="en-US" altLang="ko-KR" sz="1800" dirty="0" err="1" smtClean="0">
+                <a:latin typeface="마루 부리OTF 중간" panose="020B0600000101010101" pitchFamily="34" charset="-127"/>
+                <a:ea typeface="마루 부리OTF 중간" panose="020B0600000101010101" pitchFamily="34" charset="-127"/>
+              </a:rPr>
+              <a:t>sdfsfsdfdsf</a:t>
+            </a:r>
+            <a:endParaRPr lang="en-US" altLang="ko-KR" sz="1800" dirty="0">
+              <a:latin typeface="마루 부리OTF 중간" panose="020B0600000101010101" pitchFamily="34" charset="-127"/>
+              <a:ea typeface="마루 부리OTF 중간" panose="020B0600000101010101" pitchFamily="34" charset="-127"/>
+            </a:endParaRPr>
+          </a:p>
+        </p:txBody>
+      </p:sp>
+    </p:spTree>
+    <p:extLst>
+      <p:ext uri="{BB962C8B-B14F-4D97-AF65-F5344CB8AC3E}">
+        <p14:creationId xmlns:p14="http://schemas.microsoft.com/office/powerpoint/2010/main" val="828525258"/>
       </p:ext>
     </p:extLst>
   </p:cSld>
